--- a/methods/Report-leadtime-RTOS.pptx
+++ b/methods/Report-leadtime-RTOS.pptx
@@ -11,7 +11,8 @@
     <p:sldId id="260" r:id="rId5"/>
     <p:sldId id="262" r:id="rId6"/>
     <p:sldId id="263" r:id="rId7"/>
-    <p:sldId id="264" r:id="rId8"/>
+    <p:sldId id="265" r:id="rId8"/>
+    <p:sldId id="264" r:id="rId9"/>
   </p:sldIdLst>
   <p:sldSz cx="12192000" cy="6858000"/>
   <p:notesSz cx="6858000" cy="9144000"/>
@@ -118,6 +119,14 @@
 </p:presentation>
 </file>
 
+<file path=ppt/revisionInfo.xml><?xml version="1.0" encoding="utf-8"?>
+<p1510:revInfo xmlns:a="http://schemas.openxmlformats.org/drawingml/2006/main" xmlns:r="http://schemas.openxmlformats.org/officeDocument/2006/relationships" xmlns:p1510="http://schemas.microsoft.com/office/powerpoint/2015/10/main">
+  <p1510:revLst>
+    <p1510:client id="{86037B25-8251-44D6-BB11-82F81249E395}" v="1" dt="2024-05-26T14:43:44.677"/>
+  </p1510:revLst>
+</p1510:revInfo>
+</file>
+
 <file path=ppt/slideLayouts/slideLayout1.xml><?xml version="1.0" encoding="utf-8"?>
 <p:sldLayout xmlns:a="http://schemas.openxmlformats.org/drawingml/2006/main" xmlns:r="http://schemas.openxmlformats.org/officeDocument/2006/relationships" xmlns:p="http://schemas.openxmlformats.org/presentationml/2006/main" type="title" preserve="1">
   <p:cSld name="Title Slide">
@@ -265,7 +274,7 @@
           <a:p>
             <a:fld id="{10F12270-EB03-4AF0-9A7B-803302A889FF}" type="datetimeFigureOut">
               <a:rPr lang="en-US" smtClean="0"/>
-              <a:t>5/25/2024</a:t>
+              <a:t>5/26/2024</a:t>
             </a:fld>
             <a:endParaRPr lang="en-US"/>
           </a:p>
@@ -463,7 +472,7 @@
           <a:p>
             <a:fld id="{10F12270-EB03-4AF0-9A7B-803302A889FF}" type="datetimeFigureOut">
               <a:rPr lang="en-US" smtClean="0"/>
-              <a:t>5/25/2024</a:t>
+              <a:t>5/26/2024</a:t>
             </a:fld>
             <a:endParaRPr lang="en-US"/>
           </a:p>
@@ -671,7 +680,7 @@
           <a:p>
             <a:fld id="{10F12270-EB03-4AF0-9A7B-803302A889FF}" type="datetimeFigureOut">
               <a:rPr lang="en-US" smtClean="0"/>
-              <a:t>5/25/2024</a:t>
+              <a:t>5/26/2024</a:t>
             </a:fld>
             <a:endParaRPr lang="en-US"/>
           </a:p>
@@ -869,7 +878,7 @@
           <a:p>
             <a:fld id="{10F12270-EB03-4AF0-9A7B-803302A889FF}" type="datetimeFigureOut">
               <a:rPr lang="en-US" smtClean="0"/>
-              <a:t>5/25/2024</a:t>
+              <a:t>5/26/2024</a:t>
             </a:fld>
             <a:endParaRPr lang="en-US"/>
           </a:p>
@@ -1144,7 +1153,7 @@
           <a:p>
             <a:fld id="{10F12270-EB03-4AF0-9A7B-803302A889FF}" type="datetimeFigureOut">
               <a:rPr lang="en-US" smtClean="0"/>
-              <a:t>5/25/2024</a:t>
+              <a:t>5/26/2024</a:t>
             </a:fld>
             <a:endParaRPr lang="en-US"/>
           </a:p>
@@ -1409,7 +1418,7 @@
           <a:p>
             <a:fld id="{10F12270-EB03-4AF0-9A7B-803302A889FF}" type="datetimeFigureOut">
               <a:rPr lang="en-US" smtClean="0"/>
-              <a:t>5/25/2024</a:t>
+              <a:t>5/26/2024</a:t>
             </a:fld>
             <a:endParaRPr lang="en-US"/>
           </a:p>
@@ -1821,7 +1830,7 @@
           <a:p>
             <a:fld id="{10F12270-EB03-4AF0-9A7B-803302A889FF}" type="datetimeFigureOut">
               <a:rPr lang="en-US" smtClean="0"/>
-              <a:t>5/25/2024</a:t>
+              <a:t>5/26/2024</a:t>
             </a:fld>
             <a:endParaRPr lang="en-US"/>
           </a:p>
@@ -1962,7 +1971,7 @@
           <a:p>
             <a:fld id="{10F12270-EB03-4AF0-9A7B-803302A889FF}" type="datetimeFigureOut">
               <a:rPr lang="en-US" smtClean="0"/>
-              <a:t>5/25/2024</a:t>
+              <a:t>5/26/2024</a:t>
             </a:fld>
             <a:endParaRPr lang="en-US"/>
           </a:p>
@@ -2075,7 +2084,7 @@
           <a:p>
             <a:fld id="{10F12270-EB03-4AF0-9A7B-803302A889FF}" type="datetimeFigureOut">
               <a:rPr lang="en-US" smtClean="0"/>
-              <a:t>5/25/2024</a:t>
+              <a:t>5/26/2024</a:t>
             </a:fld>
             <a:endParaRPr lang="en-US"/>
           </a:p>
@@ -2386,7 +2395,7 @@
           <a:p>
             <a:fld id="{10F12270-EB03-4AF0-9A7B-803302A889FF}" type="datetimeFigureOut">
               <a:rPr lang="en-US" smtClean="0"/>
-              <a:t>5/25/2024</a:t>
+              <a:t>5/26/2024</a:t>
             </a:fld>
             <a:endParaRPr lang="en-US"/>
           </a:p>
@@ -2674,7 +2683,7 @@
           <a:p>
             <a:fld id="{10F12270-EB03-4AF0-9A7B-803302A889FF}" type="datetimeFigureOut">
               <a:rPr lang="en-US" smtClean="0"/>
-              <a:t>5/25/2024</a:t>
+              <a:t>5/26/2024</a:t>
             </a:fld>
             <a:endParaRPr lang="en-US"/>
           </a:p>
@@ -2915,7 +2924,7 @@
           <a:p>
             <a:fld id="{10F12270-EB03-4AF0-9A7B-803302A889FF}" type="datetimeFigureOut">
               <a:rPr lang="en-US" smtClean="0"/>
-              <a:t>5/25/2024</a:t>
+              <a:t>5/26/2024</a:t>
             </a:fld>
             <a:endParaRPr lang="en-US"/>
           </a:p>
@@ -3348,7 +3357,12 @@
             <p:ph type="ctrTitle"/>
           </p:nvPr>
         </p:nvSpPr>
-        <p:spPr/>
+        <p:spPr>
+          <a:xfrm>
+            <a:off x="1523999" y="1502029"/>
+            <a:ext cx="9144000" cy="2387600"/>
+          </a:xfrm>
+        </p:spPr>
         <p:txBody>
           <a:bodyPr>
             <a:normAutofit/>
@@ -4488,6 +4502,105 @@
 </file>
 
 <file path=ppt/slides/slide7.xml><?xml version="1.0" encoding="utf-8"?>
+<p:sld xmlns:a="http://schemas.openxmlformats.org/drawingml/2006/main" xmlns:r="http://schemas.openxmlformats.org/officeDocument/2006/relationships" xmlns:p="http://schemas.openxmlformats.org/presentationml/2006/main">
+  <p:cSld>
+    <p:spTree>
+      <p:nvGrpSpPr>
+        <p:cNvPr id="1" name=""/>
+        <p:cNvGrpSpPr/>
+        <p:nvPr/>
+      </p:nvGrpSpPr>
+      <p:grpSpPr>
+        <a:xfrm>
+          <a:off x="0" y="0"/>
+          <a:ext cx="0" cy="0"/>
+          <a:chOff x="0" y="0"/>
+          <a:chExt cx="0" cy="0"/>
+        </a:xfrm>
+      </p:grpSpPr>
+      <p:sp>
+        <p:nvSpPr>
+          <p:cNvPr id="2" name="Title 1">
+            <a:extLst>
+              <a:ext uri="{FF2B5EF4-FFF2-40B4-BE49-F238E27FC236}">
+                <a16:creationId xmlns:a16="http://schemas.microsoft.com/office/drawing/2014/main" id="{BADF27F8-B41E-DBF6-AF6A-7207B979D9FF}"/>
+              </a:ext>
+            </a:extLst>
+          </p:cNvPr>
+          <p:cNvSpPr>
+            <a:spLocks noGrp="1"/>
+          </p:cNvSpPr>
+          <p:nvPr>
+            <p:ph type="title"/>
+          </p:nvPr>
+        </p:nvSpPr>
+        <p:spPr/>
+        <p:txBody>
+          <a:bodyPr/>
+          <a:lstStyle/>
+          <a:p>
+            <a:r>
+              <a:rPr lang="en-US"/>
+              <a:t>Train model</a:t>
+            </a:r>
+          </a:p>
+        </p:txBody>
+      </p:sp>
+      <p:sp>
+        <p:nvSpPr>
+          <p:cNvPr id="3" name="Content Placeholder 2">
+            <a:extLst>
+              <a:ext uri="{FF2B5EF4-FFF2-40B4-BE49-F238E27FC236}">
+                <a16:creationId xmlns:a16="http://schemas.microsoft.com/office/drawing/2014/main" id="{6ABE18CA-1506-FE18-3E7B-DBFC4EACC461}"/>
+              </a:ext>
+            </a:extLst>
+          </p:cNvPr>
+          <p:cNvSpPr>
+            <a:spLocks noGrp="1"/>
+          </p:cNvSpPr>
+          <p:nvPr>
+            <p:ph idx="1"/>
+          </p:nvPr>
+        </p:nvSpPr>
+        <p:spPr/>
+        <p:txBody>
+          <a:bodyPr/>
+          <a:lstStyle/>
+          <a:p>
+            <a:r>
+              <a:rPr lang="en-US"/>
+              <a:t>Link code train và output: </a:t>
+            </a:r>
+            <a:r>
+              <a:rPr lang="en-US">
+                <a:hlinkClick r:id="rId2"/>
+              </a:rPr>
+              <a:t>https://drive.google.com/drive/folders/1OMB-AGJmTFFldsP32inWp2oI7rZhpjxp?fbclid=IwAR3wBs_pInqZp46k2FC4qY9EMs1W_LJn5BUPd5oZoUTeV8k-y0uEcyX1fs0</a:t>
+            </a:r>
+            <a:endParaRPr lang="en-US"/>
+          </a:p>
+          <a:p>
+            <a:r>
+              <a:rPr lang="en-US"/>
+              <a:t>Tích hợp model vào hệ thống để nhận diện 4 lớp: “Turn of the fan”, “Turn on the fan”, “Turn of the light”, “Turn on the light”.</a:t>
+            </a:r>
+          </a:p>
+        </p:txBody>
+      </p:sp>
+    </p:spTree>
+    <p:extLst>
+      <p:ext uri="{BB962C8B-B14F-4D97-AF65-F5344CB8AC3E}">
+        <p14:creationId xmlns:p14="http://schemas.microsoft.com/office/powerpoint/2010/main" val="1977081330"/>
+      </p:ext>
+    </p:extLst>
+  </p:cSld>
+  <p:clrMapOvr>
+    <a:masterClrMapping/>
+  </p:clrMapOvr>
+</p:sld>
+</file>
+
+<file path=ppt/slides/slide8.xml><?xml version="1.0" encoding="utf-8"?>
 <p:sld xmlns:a="http://schemas.openxmlformats.org/drawingml/2006/main" xmlns:r="http://schemas.openxmlformats.org/officeDocument/2006/relationships" xmlns:p="http://schemas.openxmlformats.org/presentationml/2006/main">
   <p:cSld>
     <p:spTree>
@@ -4729,7 +4842,7 @@
             </a:pPr>
             <a:r>
               <a:rPr lang="en-US"/>
-              <a:t>1. Train model.</a:t>
+              <a:t>1. Nhúng model vào hệ thống và xây dựng điều khiển quạt và đèn bằng giọng nói.</a:t>
             </a:r>
           </a:p>
           <a:p>
@@ -4738,16 +4851,7 @@
             </a:pPr>
             <a:r>
               <a:rPr lang="en-US"/>
-              <a:t>2. Nhúng model vào hệ thống và xây dựng điều khiển quạt và đèn bằng giọng nói.</a:t>
-            </a:r>
-          </a:p>
-          <a:p>
-            <a:pPr marL="0" indent="0">
-              <a:buNone/>
-            </a:pPr>
-            <a:r>
-              <a:rPr lang="en-US"/>
-              <a:t>3. Viết báo cáo cuối kỳ.</a:t>
+              <a:t>2. Viết báo cáo cuối kỳ.</a:t>
             </a:r>
           </a:p>
         </p:txBody>
